--- a/semester_4/PPL/Introduction.pptx
+++ b/semester_4/PPL/Introduction.pptx
@@ -1,30 +1,30 @@
 
 <file path=ppt/presentation.xml><?xml version="1.0" encoding="utf-8"?>
-<p:presentation xmlns:a="http://schemas.openxmlformats.org/drawingml/2006/main" xmlns:r="http://schemas.openxmlformats.org/officeDocument/2006/relationships" xmlns:p="http://schemas.openxmlformats.org/presentationml/2006/main" saveSubsetFonts="1">
+<p:presentation xmlns:a="http://schemas.openxmlformats.org/drawingml/2006/main" xmlns:r="http://schemas.openxmlformats.org/officeDocument/2006/relationships" xmlns:p="http://schemas.openxmlformats.org/presentationml/2006/main">
   <p:sldMasterIdLst>
     <p:sldMasterId id="2147483648" r:id="rId1"/>
   </p:sldMasterIdLst>
   <p:sldIdLst>
-    <p:sldId id="256" r:id="rId2"/>
-    <p:sldId id="257" r:id="rId3"/>
-    <p:sldId id="258" r:id="rId4"/>
-    <p:sldId id="259" r:id="rId5"/>
-    <p:sldId id="275" r:id="rId6"/>
-    <p:sldId id="260" r:id="rId7"/>
-    <p:sldId id="261" r:id="rId8"/>
-    <p:sldId id="262" r:id="rId9"/>
-    <p:sldId id="263" r:id="rId10"/>
-    <p:sldId id="264" r:id="rId11"/>
-    <p:sldId id="265" r:id="rId12"/>
-    <p:sldId id="266" r:id="rId13"/>
-    <p:sldId id="267" r:id="rId14"/>
-    <p:sldId id="268" r:id="rId15"/>
-    <p:sldId id="269" r:id="rId16"/>
-    <p:sldId id="270" r:id="rId17"/>
-    <p:sldId id="271" r:id="rId18"/>
-    <p:sldId id="272" r:id="rId19"/>
-    <p:sldId id="273" r:id="rId20"/>
-    <p:sldId id="274" r:id="rId21"/>
+    <p:sldId id="256" r:id="rId3"/>
+    <p:sldId id="257" r:id="rId4"/>
+    <p:sldId id="258" r:id="rId5"/>
+    <p:sldId id="259" r:id="rId6"/>
+    <p:sldId id="275" r:id="rId7"/>
+    <p:sldId id="260" r:id="rId8"/>
+    <p:sldId id="261" r:id="rId9"/>
+    <p:sldId id="262" r:id="rId10"/>
+    <p:sldId id="263" r:id="rId11"/>
+    <p:sldId id="264" r:id="rId12"/>
+    <p:sldId id="265" r:id="rId13"/>
+    <p:sldId id="266" r:id="rId14"/>
+    <p:sldId id="267" r:id="rId15"/>
+    <p:sldId id="268" r:id="rId16"/>
+    <p:sldId id="269" r:id="rId17"/>
+    <p:sldId id="270" r:id="rId18"/>
+    <p:sldId id="271" r:id="rId19"/>
+    <p:sldId id="272" r:id="rId20"/>
+    <p:sldId id="273" r:id="rId21"/>
+    <p:sldId id="274" r:id="rId22"/>
   </p:sldIdLst>
   <p:sldSz cx="9144000" cy="6858000" type="screen4x3"/>
   <p:notesSz cx="6858000" cy="9144000"/>
@@ -307,7 +307,6 @@
           <a:p>
             <a:fld id="{0DD77427-EDDA-4AFF-BC7D-20BDA4302DC3}" type="datetimeFigureOut">
               <a:rPr lang="en-US" smtClean="0"/>
-              <a:t>1/15/2024</a:t>
             </a:fld>
             <a:endParaRPr lang="en-US"/>
           </a:p>
@@ -349,18 +348,12 @@
           <a:p>
             <a:fld id="{B8C253AC-8280-4774-9947-45F8AB828FCA}" type="slidenum">
               <a:rPr lang="en-US" smtClean="0"/>
-              <a:t>‹#›</a:t>
             </a:fld>
             <a:endParaRPr lang="en-US"/>
           </a:p>
         </p:txBody>
       </p:sp>
     </p:spTree>
-    <p:extLst>
-      <p:ext uri="{BB962C8B-B14F-4D97-AF65-F5344CB8AC3E}">
-        <p14:creationId xmlns:p14="http://schemas.microsoft.com/office/powerpoint/2010/main" val="3815678855"/>
-      </p:ext>
-    </p:extLst>
   </p:cSld>
   <p:clrMapOvr>
     <a:masterClrMapping/>
@@ -428,6 +421,7 @@
               <a:rPr lang="en-US" smtClean="0"/>
               <a:t>Click to edit Master text styles</a:t>
             </a:r>
+            <a:endParaRPr lang="en-US" smtClean="0"/>
           </a:p>
           <a:p>
             <a:pPr lvl="1"/>
@@ -435,6 +429,7 @@
               <a:rPr lang="en-US" smtClean="0"/>
               <a:t>Second level</a:t>
             </a:r>
+            <a:endParaRPr lang="en-US" smtClean="0"/>
           </a:p>
           <a:p>
             <a:pPr lvl="2"/>
@@ -442,6 +437,7 @@
               <a:rPr lang="en-US" smtClean="0"/>
               <a:t>Third level</a:t>
             </a:r>
+            <a:endParaRPr lang="en-US" smtClean="0"/>
           </a:p>
           <a:p>
             <a:pPr lvl="3"/>
@@ -449,6 +445,7 @@
               <a:rPr lang="en-US" smtClean="0"/>
               <a:t>Fourth level</a:t>
             </a:r>
+            <a:endParaRPr lang="en-US" smtClean="0"/>
           </a:p>
           <a:p>
             <a:pPr lvl="4"/>
@@ -477,7 +474,6 @@
           <a:p>
             <a:fld id="{0DD77427-EDDA-4AFF-BC7D-20BDA4302DC3}" type="datetimeFigureOut">
               <a:rPr lang="en-US" smtClean="0"/>
-              <a:t>1/15/2024</a:t>
             </a:fld>
             <a:endParaRPr lang="en-US"/>
           </a:p>
@@ -519,18 +515,12 @@
           <a:p>
             <a:fld id="{B8C253AC-8280-4774-9947-45F8AB828FCA}" type="slidenum">
               <a:rPr lang="en-US" smtClean="0"/>
-              <a:t>‹#›</a:t>
             </a:fld>
             <a:endParaRPr lang="en-US"/>
           </a:p>
         </p:txBody>
       </p:sp>
     </p:spTree>
-    <p:extLst>
-      <p:ext uri="{BB962C8B-B14F-4D97-AF65-F5344CB8AC3E}">
-        <p14:creationId xmlns:p14="http://schemas.microsoft.com/office/powerpoint/2010/main" val="1129130034"/>
-      </p:ext>
-    </p:extLst>
   </p:cSld>
   <p:clrMapOvr>
     <a:masterClrMapping/>
@@ -608,6 +598,7 @@
               <a:rPr lang="en-US" smtClean="0"/>
               <a:t>Click to edit Master text styles</a:t>
             </a:r>
+            <a:endParaRPr lang="en-US" smtClean="0"/>
           </a:p>
           <a:p>
             <a:pPr lvl="1"/>
@@ -615,6 +606,7 @@
               <a:rPr lang="en-US" smtClean="0"/>
               <a:t>Second level</a:t>
             </a:r>
+            <a:endParaRPr lang="en-US" smtClean="0"/>
           </a:p>
           <a:p>
             <a:pPr lvl="2"/>
@@ -622,6 +614,7 @@
               <a:rPr lang="en-US" smtClean="0"/>
               <a:t>Third level</a:t>
             </a:r>
+            <a:endParaRPr lang="en-US" smtClean="0"/>
           </a:p>
           <a:p>
             <a:pPr lvl="3"/>
@@ -629,6 +622,7 @@
               <a:rPr lang="en-US" smtClean="0"/>
               <a:t>Fourth level</a:t>
             </a:r>
+            <a:endParaRPr lang="en-US" smtClean="0"/>
           </a:p>
           <a:p>
             <a:pPr lvl="4"/>
@@ -657,7 +651,6 @@
           <a:p>
             <a:fld id="{0DD77427-EDDA-4AFF-BC7D-20BDA4302DC3}" type="datetimeFigureOut">
               <a:rPr lang="en-US" smtClean="0"/>
-              <a:t>1/15/2024</a:t>
             </a:fld>
             <a:endParaRPr lang="en-US"/>
           </a:p>
@@ -699,18 +692,12 @@
           <a:p>
             <a:fld id="{B8C253AC-8280-4774-9947-45F8AB828FCA}" type="slidenum">
               <a:rPr lang="en-US" smtClean="0"/>
-              <a:t>‹#›</a:t>
             </a:fld>
             <a:endParaRPr lang="en-US"/>
           </a:p>
         </p:txBody>
       </p:sp>
     </p:spTree>
-    <p:extLst>
-      <p:ext uri="{BB962C8B-B14F-4D97-AF65-F5344CB8AC3E}">
-        <p14:creationId xmlns:p14="http://schemas.microsoft.com/office/powerpoint/2010/main" val="909594882"/>
-      </p:ext>
-    </p:extLst>
   </p:cSld>
   <p:clrMapOvr>
     <a:masterClrMapping/>
@@ -778,6 +765,7 @@
               <a:rPr lang="en-US" smtClean="0"/>
               <a:t>Click to edit Master text styles</a:t>
             </a:r>
+            <a:endParaRPr lang="en-US" smtClean="0"/>
           </a:p>
           <a:p>
             <a:pPr lvl="1"/>
@@ -785,6 +773,7 @@
               <a:rPr lang="en-US" smtClean="0"/>
               <a:t>Second level</a:t>
             </a:r>
+            <a:endParaRPr lang="en-US" smtClean="0"/>
           </a:p>
           <a:p>
             <a:pPr lvl="2"/>
@@ -792,6 +781,7 @@
               <a:rPr lang="en-US" smtClean="0"/>
               <a:t>Third level</a:t>
             </a:r>
+            <a:endParaRPr lang="en-US" smtClean="0"/>
           </a:p>
           <a:p>
             <a:pPr lvl="3"/>
@@ -799,6 +789,7 @@
               <a:rPr lang="en-US" smtClean="0"/>
               <a:t>Fourth level</a:t>
             </a:r>
+            <a:endParaRPr lang="en-US" smtClean="0"/>
           </a:p>
           <a:p>
             <a:pPr lvl="4"/>
@@ -827,7 +818,6 @@
           <a:p>
             <a:fld id="{0DD77427-EDDA-4AFF-BC7D-20BDA4302DC3}" type="datetimeFigureOut">
               <a:rPr lang="en-US" smtClean="0"/>
-              <a:t>1/15/2024</a:t>
             </a:fld>
             <a:endParaRPr lang="en-US"/>
           </a:p>
@@ -869,18 +859,12 @@
           <a:p>
             <a:fld id="{B8C253AC-8280-4774-9947-45F8AB828FCA}" type="slidenum">
               <a:rPr lang="en-US" smtClean="0"/>
-              <a:t>‹#›</a:t>
             </a:fld>
             <a:endParaRPr lang="en-US"/>
           </a:p>
         </p:txBody>
       </p:sp>
     </p:spTree>
-    <p:extLst>
-      <p:ext uri="{BB962C8B-B14F-4D97-AF65-F5344CB8AC3E}">
-        <p14:creationId xmlns:p14="http://schemas.microsoft.com/office/powerpoint/2010/main" val="3880462735"/>
-      </p:ext>
-    </p:extLst>
   </p:cSld>
   <p:clrMapOvr>
     <a:masterClrMapping/>
@@ -1053,6 +1037,7 @@
               <a:rPr lang="en-US" smtClean="0"/>
               <a:t>Click to edit Master text styles</a:t>
             </a:r>
+            <a:endParaRPr lang="en-US" smtClean="0"/>
           </a:p>
         </p:txBody>
       </p:sp>
@@ -1073,7 +1058,6 @@
           <a:p>
             <a:fld id="{0DD77427-EDDA-4AFF-BC7D-20BDA4302DC3}" type="datetimeFigureOut">
               <a:rPr lang="en-US" smtClean="0"/>
-              <a:t>1/15/2024</a:t>
             </a:fld>
             <a:endParaRPr lang="en-US"/>
           </a:p>
@@ -1115,18 +1099,12 @@
           <a:p>
             <a:fld id="{B8C253AC-8280-4774-9947-45F8AB828FCA}" type="slidenum">
               <a:rPr lang="en-US" smtClean="0"/>
-              <a:t>‹#›</a:t>
             </a:fld>
             <a:endParaRPr lang="en-US"/>
           </a:p>
         </p:txBody>
       </p:sp>
     </p:spTree>
-    <p:extLst>
-      <p:ext uri="{BB962C8B-B14F-4D97-AF65-F5344CB8AC3E}">
-        <p14:creationId xmlns:p14="http://schemas.microsoft.com/office/powerpoint/2010/main" val="2840800407"/>
-      </p:ext>
-    </p:extLst>
   </p:cSld>
   <p:clrMapOvr>
     <a:masterClrMapping/>
@@ -1227,6 +1205,7 @@
               <a:rPr lang="en-US" smtClean="0"/>
               <a:t>Click to edit Master text styles</a:t>
             </a:r>
+            <a:endParaRPr lang="en-US" smtClean="0"/>
           </a:p>
           <a:p>
             <a:pPr lvl="1"/>
@@ -1234,6 +1213,7 @@
               <a:rPr lang="en-US" smtClean="0"/>
               <a:t>Second level</a:t>
             </a:r>
+            <a:endParaRPr lang="en-US" smtClean="0"/>
           </a:p>
           <a:p>
             <a:pPr lvl="2"/>
@@ -1241,6 +1221,7 @@
               <a:rPr lang="en-US" smtClean="0"/>
               <a:t>Third level</a:t>
             </a:r>
+            <a:endParaRPr lang="en-US" smtClean="0"/>
           </a:p>
           <a:p>
             <a:pPr lvl="3"/>
@@ -1248,6 +1229,7 @@
               <a:rPr lang="en-US" smtClean="0"/>
               <a:t>Fourth level</a:t>
             </a:r>
+            <a:endParaRPr lang="en-US" smtClean="0"/>
           </a:p>
           <a:p>
             <a:pPr lvl="4"/>
@@ -1312,6 +1294,7 @@
               <a:rPr lang="en-US" smtClean="0"/>
               <a:t>Click to edit Master text styles</a:t>
             </a:r>
+            <a:endParaRPr lang="en-US" smtClean="0"/>
           </a:p>
           <a:p>
             <a:pPr lvl="1"/>
@@ -1319,6 +1302,7 @@
               <a:rPr lang="en-US" smtClean="0"/>
               <a:t>Second level</a:t>
             </a:r>
+            <a:endParaRPr lang="en-US" smtClean="0"/>
           </a:p>
           <a:p>
             <a:pPr lvl="2"/>
@@ -1326,6 +1310,7 @@
               <a:rPr lang="en-US" smtClean="0"/>
               <a:t>Third level</a:t>
             </a:r>
+            <a:endParaRPr lang="en-US" smtClean="0"/>
           </a:p>
           <a:p>
             <a:pPr lvl="3"/>
@@ -1333,6 +1318,7 @@
               <a:rPr lang="en-US" smtClean="0"/>
               <a:t>Fourth level</a:t>
             </a:r>
+            <a:endParaRPr lang="en-US" smtClean="0"/>
           </a:p>
           <a:p>
             <a:pPr lvl="4"/>
@@ -1361,7 +1347,6 @@
           <a:p>
             <a:fld id="{0DD77427-EDDA-4AFF-BC7D-20BDA4302DC3}" type="datetimeFigureOut">
               <a:rPr lang="en-US" smtClean="0"/>
-              <a:t>1/15/2024</a:t>
             </a:fld>
             <a:endParaRPr lang="en-US"/>
           </a:p>
@@ -1403,18 +1388,12 @@
           <a:p>
             <a:fld id="{B8C253AC-8280-4774-9947-45F8AB828FCA}" type="slidenum">
               <a:rPr lang="en-US" smtClean="0"/>
-              <a:t>‹#›</a:t>
             </a:fld>
             <a:endParaRPr lang="en-US"/>
           </a:p>
         </p:txBody>
       </p:sp>
     </p:spTree>
-    <p:extLst>
-      <p:ext uri="{BB962C8B-B14F-4D97-AF65-F5344CB8AC3E}">
-        <p14:creationId xmlns:p14="http://schemas.microsoft.com/office/powerpoint/2010/main" val="1884014599"/>
-      </p:ext>
-    </p:extLst>
   </p:cSld>
   <p:clrMapOvr>
     <a:masterClrMapping/>
@@ -1528,6 +1507,7 @@
               <a:rPr lang="en-US" smtClean="0"/>
               <a:t>Click to edit Master text styles</a:t>
             </a:r>
+            <a:endParaRPr lang="en-US" smtClean="0"/>
           </a:p>
         </p:txBody>
       </p:sp>
@@ -1584,6 +1564,7 @@
               <a:rPr lang="en-US" smtClean="0"/>
               <a:t>Click to edit Master text styles</a:t>
             </a:r>
+            <a:endParaRPr lang="en-US" smtClean="0"/>
           </a:p>
           <a:p>
             <a:pPr lvl="1"/>
@@ -1591,6 +1572,7 @@
               <a:rPr lang="en-US" smtClean="0"/>
               <a:t>Second level</a:t>
             </a:r>
+            <a:endParaRPr lang="en-US" smtClean="0"/>
           </a:p>
           <a:p>
             <a:pPr lvl="2"/>
@@ -1598,6 +1580,7 @@
               <a:rPr lang="en-US" smtClean="0"/>
               <a:t>Third level</a:t>
             </a:r>
+            <a:endParaRPr lang="en-US" smtClean="0"/>
           </a:p>
           <a:p>
             <a:pPr lvl="3"/>
@@ -1605,6 +1588,7 @@
               <a:rPr lang="en-US" smtClean="0"/>
               <a:t>Fourth level</a:t>
             </a:r>
+            <a:endParaRPr lang="en-US" smtClean="0"/>
           </a:p>
           <a:p>
             <a:pPr lvl="4"/>
@@ -1678,6 +1662,7 @@
               <a:rPr lang="en-US" smtClean="0"/>
               <a:t>Click to edit Master text styles</a:t>
             </a:r>
+            <a:endParaRPr lang="en-US" smtClean="0"/>
           </a:p>
         </p:txBody>
       </p:sp>
@@ -1734,6 +1719,7 @@
               <a:rPr lang="en-US" smtClean="0"/>
               <a:t>Click to edit Master text styles</a:t>
             </a:r>
+            <a:endParaRPr lang="en-US" smtClean="0"/>
           </a:p>
           <a:p>
             <a:pPr lvl="1"/>
@@ -1741,6 +1727,7 @@
               <a:rPr lang="en-US" smtClean="0"/>
               <a:t>Second level</a:t>
             </a:r>
+            <a:endParaRPr lang="en-US" smtClean="0"/>
           </a:p>
           <a:p>
             <a:pPr lvl="2"/>
@@ -1748,6 +1735,7 @@
               <a:rPr lang="en-US" smtClean="0"/>
               <a:t>Third level</a:t>
             </a:r>
+            <a:endParaRPr lang="en-US" smtClean="0"/>
           </a:p>
           <a:p>
             <a:pPr lvl="3"/>
@@ -1755,6 +1743,7 @@
               <a:rPr lang="en-US" smtClean="0"/>
               <a:t>Fourth level</a:t>
             </a:r>
+            <a:endParaRPr lang="en-US" smtClean="0"/>
           </a:p>
           <a:p>
             <a:pPr lvl="4"/>
@@ -1783,7 +1772,6 @@
           <a:p>
             <a:fld id="{0DD77427-EDDA-4AFF-BC7D-20BDA4302DC3}" type="datetimeFigureOut">
               <a:rPr lang="en-US" smtClean="0"/>
-              <a:t>1/15/2024</a:t>
             </a:fld>
             <a:endParaRPr lang="en-US"/>
           </a:p>
@@ -1825,18 +1813,12 @@
           <a:p>
             <a:fld id="{B8C253AC-8280-4774-9947-45F8AB828FCA}" type="slidenum">
               <a:rPr lang="en-US" smtClean="0"/>
-              <a:t>‹#›</a:t>
             </a:fld>
             <a:endParaRPr lang="en-US"/>
           </a:p>
         </p:txBody>
       </p:sp>
     </p:spTree>
-    <p:extLst>
-      <p:ext uri="{BB962C8B-B14F-4D97-AF65-F5344CB8AC3E}">
-        <p14:creationId xmlns:p14="http://schemas.microsoft.com/office/powerpoint/2010/main" val="3070802258"/>
-      </p:ext>
-    </p:extLst>
   </p:cSld>
   <p:clrMapOvr>
     <a:masterClrMapping/>
@@ -1901,7 +1883,6 @@
           <a:p>
             <a:fld id="{0DD77427-EDDA-4AFF-BC7D-20BDA4302DC3}" type="datetimeFigureOut">
               <a:rPr lang="en-US" smtClean="0"/>
-              <a:t>1/15/2024</a:t>
             </a:fld>
             <a:endParaRPr lang="en-US"/>
           </a:p>
@@ -1943,18 +1924,12 @@
           <a:p>
             <a:fld id="{B8C253AC-8280-4774-9947-45F8AB828FCA}" type="slidenum">
               <a:rPr lang="en-US" smtClean="0"/>
-              <a:t>‹#›</a:t>
             </a:fld>
             <a:endParaRPr lang="en-US"/>
           </a:p>
         </p:txBody>
       </p:sp>
     </p:spTree>
-    <p:extLst>
-      <p:ext uri="{BB962C8B-B14F-4D97-AF65-F5344CB8AC3E}">
-        <p14:creationId xmlns:p14="http://schemas.microsoft.com/office/powerpoint/2010/main" val="1422592050"/>
-      </p:ext>
-    </p:extLst>
   </p:cSld>
   <p:clrMapOvr>
     <a:masterClrMapping/>
@@ -1996,7 +1971,6 @@
           <a:p>
             <a:fld id="{0DD77427-EDDA-4AFF-BC7D-20BDA4302DC3}" type="datetimeFigureOut">
               <a:rPr lang="en-US" smtClean="0"/>
-              <a:t>1/15/2024</a:t>
             </a:fld>
             <a:endParaRPr lang="en-US"/>
           </a:p>
@@ -2038,18 +2012,12 @@
           <a:p>
             <a:fld id="{B8C253AC-8280-4774-9947-45F8AB828FCA}" type="slidenum">
               <a:rPr lang="en-US" smtClean="0"/>
-              <a:t>‹#›</a:t>
             </a:fld>
             <a:endParaRPr lang="en-US"/>
           </a:p>
         </p:txBody>
       </p:sp>
     </p:spTree>
-    <p:extLst>
-      <p:ext uri="{BB962C8B-B14F-4D97-AF65-F5344CB8AC3E}">
-        <p14:creationId xmlns:p14="http://schemas.microsoft.com/office/powerpoint/2010/main" val="3874809077"/>
-      </p:ext>
-    </p:extLst>
   </p:cSld>
   <p:clrMapOvr>
     <a:masterClrMapping/>
@@ -2159,6 +2127,7 @@
               <a:rPr lang="en-US" smtClean="0"/>
               <a:t>Click to edit Master text styles</a:t>
             </a:r>
+            <a:endParaRPr lang="en-US" smtClean="0"/>
           </a:p>
           <a:p>
             <a:pPr lvl="1"/>
@@ -2166,6 +2135,7 @@
               <a:rPr lang="en-US" smtClean="0"/>
               <a:t>Second level</a:t>
             </a:r>
+            <a:endParaRPr lang="en-US" smtClean="0"/>
           </a:p>
           <a:p>
             <a:pPr lvl="2"/>
@@ -2173,6 +2143,7 @@
               <a:rPr lang="en-US" smtClean="0"/>
               <a:t>Third level</a:t>
             </a:r>
+            <a:endParaRPr lang="en-US" smtClean="0"/>
           </a:p>
           <a:p>
             <a:pPr lvl="3"/>
@@ -2180,6 +2151,7 @@
               <a:rPr lang="en-US" smtClean="0"/>
               <a:t>Fourth level</a:t>
             </a:r>
+            <a:endParaRPr lang="en-US" smtClean="0"/>
           </a:p>
           <a:p>
             <a:pPr lvl="4"/>
@@ -2253,6 +2225,7 @@
               <a:rPr lang="en-US" smtClean="0"/>
               <a:t>Click to edit Master text styles</a:t>
             </a:r>
+            <a:endParaRPr lang="en-US" smtClean="0"/>
           </a:p>
         </p:txBody>
       </p:sp>
@@ -2273,7 +2246,6 @@
           <a:p>
             <a:fld id="{0DD77427-EDDA-4AFF-BC7D-20BDA4302DC3}" type="datetimeFigureOut">
               <a:rPr lang="en-US" smtClean="0"/>
-              <a:t>1/15/2024</a:t>
             </a:fld>
             <a:endParaRPr lang="en-US"/>
           </a:p>
@@ -2315,18 +2287,12 @@
           <a:p>
             <a:fld id="{B8C253AC-8280-4774-9947-45F8AB828FCA}" type="slidenum">
               <a:rPr lang="en-US" smtClean="0"/>
-              <a:t>‹#›</a:t>
             </a:fld>
             <a:endParaRPr lang="en-US"/>
           </a:p>
         </p:txBody>
       </p:sp>
     </p:spTree>
-    <p:extLst>
-      <p:ext uri="{BB962C8B-B14F-4D97-AF65-F5344CB8AC3E}">
-        <p14:creationId xmlns:p14="http://schemas.microsoft.com/office/powerpoint/2010/main" val="4163463256"/>
-      </p:ext>
-    </p:extLst>
   </p:cSld>
   <p:clrMapOvr>
     <a:masterClrMapping/>
@@ -2506,6 +2472,7 @@
               <a:rPr lang="en-US" smtClean="0"/>
               <a:t>Click to edit Master text styles</a:t>
             </a:r>
+            <a:endParaRPr lang="en-US" smtClean="0"/>
           </a:p>
         </p:txBody>
       </p:sp>
@@ -2526,7 +2493,6 @@
           <a:p>
             <a:fld id="{0DD77427-EDDA-4AFF-BC7D-20BDA4302DC3}" type="datetimeFigureOut">
               <a:rPr lang="en-US" smtClean="0"/>
-              <a:t>1/15/2024</a:t>
             </a:fld>
             <a:endParaRPr lang="en-US"/>
           </a:p>
@@ -2568,18 +2534,12 @@
           <a:p>
             <a:fld id="{B8C253AC-8280-4774-9947-45F8AB828FCA}" type="slidenum">
               <a:rPr lang="en-US" smtClean="0"/>
-              <a:t>‹#›</a:t>
             </a:fld>
             <a:endParaRPr lang="en-US"/>
           </a:p>
         </p:txBody>
       </p:sp>
     </p:spTree>
-    <p:extLst>
-      <p:ext uri="{BB962C8B-B14F-4D97-AF65-F5344CB8AC3E}">
-        <p14:creationId xmlns:p14="http://schemas.microsoft.com/office/powerpoint/2010/main" val="2964131971"/>
-      </p:ext>
-    </p:extLst>
   </p:cSld>
   <p:clrMapOvr>
     <a:masterClrMapping/>
@@ -2672,6 +2632,7 @@
               <a:rPr lang="en-US" smtClean="0"/>
               <a:t>Click to edit Master text styles</a:t>
             </a:r>
+            <a:endParaRPr lang="en-US" smtClean="0"/>
           </a:p>
           <a:p>
             <a:pPr lvl="1"/>
@@ -2679,6 +2640,7 @@
               <a:rPr lang="en-US" smtClean="0"/>
               <a:t>Second level</a:t>
             </a:r>
+            <a:endParaRPr lang="en-US" smtClean="0"/>
           </a:p>
           <a:p>
             <a:pPr lvl="2"/>
@@ -2686,6 +2648,7 @@
               <a:rPr lang="en-US" smtClean="0"/>
               <a:t>Third level</a:t>
             </a:r>
+            <a:endParaRPr lang="en-US" smtClean="0"/>
           </a:p>
           <a:p>
             <a:pPr lvl="3"/>
@@ -2693,6 +2656,7 @@
               <a:rPr lang="en-US" smtClean="0"/>
               <a:t>Fourth level</a:t>
             </a:r>
+            <a:endParaRPr lang="en-US" smtClean="0"/>
           </a:p>
           <a:p>
             <a:pPr lvl="4"/>
@@ -2739,7 +2703,6 @@
           <a:p>
             <a:fld id="{0DD77427-EDDA-4AFF-BC7D-20BDA4302DC3}" type="datetimeFigureOut">
               <a:rPr lang="en-US" smtClean="0"/>
-              <a:t>1/15/2024</a:t>
             </a:fld>
             <a:endParaRPr lang="en-US"/>
           </a:p>
@@ -2817,18 +2780,12 @@
           <a:p>
             <a:fld id="{B8C253AC-8280-4774-9947-45F8AB828FCA}" type="slidenum">
               <a:rPr lang="en-US" smtClean="0"/>
-              <a:t>‹#›</a:t>
             </a:fld>
             <a:endParaRPr lang="en-US"/>
           </a:p>
         </p:txBody>
       </p:sp>
     </p:spTree>
-    <p:extLst>
-      <p:ext uri="{BB962C8B-B14F-4D97-AF65-F5344CB8AC3E}">
-        <p14:creationId xmlns:p14="http://schemas.microsoft.com/office/powerpoint/2010/main" val="202849682"/>
-      </p:ext>
-    </p:extLst>
   </p:cSld>
   <p:clrMap bg1="lt1" tx1="dk1" bg2="lt2" tx2="dk2" accent1="accent1" accent2="accent2" accent3="accent3" accent4="accent4" accent5="accent5" accent6="accent6" hlink="hlink" folHlink="folHlink"/>
   <p:sldLayoutIdLst>
@@ -2866,7 +2823,7 @@
         <a:spcBef>
           <a:spcPct val="20000"/>
         </a:spcBef>
-        <a:buFont typeface="Arial" pitchFamily="34" charset="0"/>
+        <a:buFont typeface="Arial" panose="020B0604020202020204" pitchFamily="34" charset="0"/>
         <a:buChar char="•"/>
         <a:defRPr sz="3200" kern="1200">
           <a:solidFill>
@@ -2881,7 +2838,7 @@
         <a:spcBef>
           <a:spcPct val="20000"/>
         </a:spcBef>
-        <a:buFont typeface="Arial" pitchFamily="34" charset="0"/>
+        <a:buFont typeface="Arial" panose="020B0604020202020204" pitchFamily="34" charset="0"/>
         <a:buChar char="–"/>
         <a:defRPr sz="2800" kern="1200">
           <a:solidFill>
@@ -2896,7 +2853,7 @@
         <a:spcBef>
           <a:spcPct val="20000"/>
         </a:spcBef>
-        <a:buFont typeface="Arial" pitchFamily="34" charset="0"/>
+        <a:buFont typeface="Arial" panose="020B0604020202020204" pitchFamily="34" charset="0"/>
         <a:buChar char="•"/>
         <a:defRPr sz="2400" kern="1200">
           <a:solidFill>
@@ -2911,7 +2868,7 @@
         <a:spcBef>
           <a:spcPct val="20000"/>
         </a:spcBef>
-        <a:buFont typeface="Arial" pitchFamily="34" charset="0"/>
+        <a:buFont typeface="Arial" panose="020B0604020202020204" pitchFamily="34" charset="0"/>
         <a:buChar char="–"/>
         <a:defRPr sz="2000" kern="1200">
           <a:solidFill>
@@ -2926,7 +2883,7 @@
         <a:spcBef>
           <a:spcPct val="20000"/>
         </a:spcBef>
-        <a:buFont typeface="Arial" pitchFamily="34" charset="0"/>
+        <a:buFont typeface="Arial" panose="020B0604020202020204" pitchFamily="34" charset="0"/>
         <a:buChar char="»"/>
         <a:defRPr sz="2000" kern="1200">
           <a:solidFill>
@@ -2941,7 +2898,7 @@
         <a:spcBef>
           <a:spcPct val="20000"/>
         </a:spcBef>
-        <a:buFont typeface="Arial" pitchFamily="34" charset="0"/>
+        <a:buFont typeface="Arial" panose="020B0604020202020204" pitchFamily="34" charset="0"/>
         <a:buChar char="•"/>
         <a:defRPr sz="2000" kern="1200">
           <a:solidFill>
@@ -2956,7 +2913,7 @@
         <a:spcBef>
           <a:spcPct val="20000"/>
         </a:spcBef>
-        <a:buFont typeface="Arial" pitchFamily="34" charset="0"/>
+        <a:buFont typeface="Arial" panose="020B0604020202020204" pitchFamily="34" charset="0"/>
         <a:buChar char="•"/>
         <a:defRPr sz="2000" kern="1200">
           <a:solidFill>
@@ -2971,7 +2928,7 @@
         <a:spcBef>
           <a:spcPct val="20000"/>
         </a:spcBef>
-        <a:buFont typeface="Arial" pitchFamily="34" charset="0"/>
+        <a:buFont typeface="Arial" panose="020B0604020202020204" pitchFamily="34" charset="0"/>
         <a:buChar char="•"/>
         <a:defRPr sz="2000" kern="1200">
           <a:solidFill>
@@ -2986,7 +2943,7 @@
         <a:spcBef>
           <a:spcPct val="20000"/>
         </a:spcBef>
-        <a:buFont typeface="Arial" pitchFamily="34" charset="0"/>
+        <a:buFont typeface="Arial" panose="020B0604020202020204" pitchFamily="34" charset="0"/>
         <a:buChar char="•"/>
         <a:defRPr sz="2000" kern="1200">
           <a:solidFill>
@@ -3138,10 +3095,6 @@
             <a:br>
               <a:rPr lang="en-US" dirty="0" smtClean="0"/>
             </a:br>
-            <a:r>
-              <a:rPr lang="en-US" dirty="0" smtClean="0"/>
-              <a:t/>
-            </a:r>
             <a:br>
               <a:rPr lang="en-US" dirty="0" smtClean="0"/>
             </a:br>
@@ -3179,9 +3132,7 @@
       <p:sp>
         <p:nvSpPr>
           <p:cNvPr id="4" name="Subtitle 2"/>
-          <p:cNvSpPr txBox="1">
-            <a:spLocks/>
-          </p:cNvSpPr>
+          <p:cNvSpPr txBox="1"/>
           <p:nvPr/>
         </p:nvSpPr>
         <p:spPr>
@@ -3202,7 +3153,7 @@
               <a:spcBef>
                 <a:spcPct val="20000"/>
               </a:spcBef>
-              <a:buFont typeface="Arial" pitchFamily="34" charset="0"/>
+              <a:buFont typeface="Arial" panose="020B0604020202020204" pitchFamily="34" charset="0"/>
               <a:buNone/>
               <a:defRPr sz="3200" kern="1200">
                 <a:solidFill>
@@ -3219,7 +3170,7 @@
               <a:spcBef>
                 <a:spcPct val="20000"/>
               </a:spcBef>
-              <a:buFont typeface="Arial" pitchFamily="34" charset="0"/>
+              <a:buFont typeface="Arial" panose="020B0604020202020204" pitchFamily="34" charset="0"/>
               <a:buNone/>
               <a:defRPr sz="2800" kern="1200">
                 <a:solidFill>
@@ -3236,7 +3187,7 @@
               <a:spcBef>
                 <a:spcPct val="20000"/>
               </a:spcBef>
-              <a:buFont typeface="Arial" pitchFamily="34" charset="0"/>
+              <a:buFont typeface="Arial" panose="020B0604020202020204" pitchFamily="34" charset="0"/>
               <a:buNone/>
               <a:defRPr sz="2400" kern="1200">
                 <a:solidFill>
@@ -3253,7 +3204,7 @@
               <a:spcBef>
                 <a:spcPct val="20000"/>
               </a:spcBef>
-              <a:buFont typeface="Arial" pitchFamily="34" charset="0"/>
+              <a:buFont typeface="Arial" panose="020B0604020202020204" pitchFamily="34" charset="0"/>
               <a:buNone/>
               <a:defRPr sz="2000" kern="1200">
                 <a:solidFill>
@@ -3270,7 +3221,7 @@
               <a:spcBef>
                 <a:spcPct val="20000"/>
               </a:spcBef>
-              <a:buFont typeface="Arial" pitchFamily="34" charset="0"/>
+              <a:buFont typeface="Arial" panose="020B0604020202020204" pitchFamily="34" charset="0"/>
               <a:buNone/>
               <a:defRPr sz="2000" kern="1200">
                 <a:solidFill>
@@ -3287,7 +3238,7 @@
               <a:spcBef>
                 <a:spcPct val="20000"/>
               </a:spcBef>
-              <a:buFont typeface="Arial" pitchFamily="34" charset="0"/>
+              <a:buFont typeface="Arial" panose="020B0604020202020204" pitchFamily="34" charset="0"/>
               <a:buNone/>
               <a:defRPr sz="2000" kern="1200">
                 <a:solidFill>
@@ -3304,7 +3255,7 @@
               <a:spcBef>
                 <a:spcPct val="20000"/>
               </a:spcBef>
-              <a:buFont typeface="Arial" pitchFamily="34" charset="0"/>
+              <a:buFont typeface="Arial" panose="020B0604020202020204" pitchFamily="34" charset="0"/>
               <a:buNone/>
               <a:defRPr sz="2000" kern="1200">
                 <a:solidFill>
@@ -3321,7 +3272,7 @@
               <a:spcBef>
                 <a:spcPct val="20000"/>
               </a:spcBef>
-              <a:buFont typeface="Arial" pitchFamily="34" charset="0"/>
+              <a:buFont typeface="Arial" panose="020B0604020202020204" pitchFamily="34" charset="0"/>
               <a:buNone/>
               <a:defRPr sz="2000" kern="1200">
                 <a:solidFill>
@@ -3338,7 +3289,7 @@
               <a:spcBef>
                 <a:spcPct val="20000"/>
               </a:spcBef>
-              <a:buFont typeface="Arial" pitchFamily="34" charset="0"/>
+              <a:buFont typeface="Arial" panose="020B0604020202020204" pitchFamily="34" charset="0"/>
               <a:buNone/>
               <a:defRPr sz="2000" kern="1200">
                 <a:solidFill>
@@ -3379,11 +3330,6 @@
         </p:txBody>
       </p:sp>
     </p:spTree>
-    <p:extLst>
-      <p:ext uri="{BB962C8B-B14F-4D97-AF65-F5344CB8AC3E}">
-        <p14:creationId xmlns:p14="http://schemas.microsoft.com/office/powerpoint/2010/main" val="3951955085"/>
-      </p:ext>
-    </p:extLst>
   </p:cSld>
   <p:clrMapOvr>
     <a:masterClrMapping/>
@@ -3460,6 +3406,7 @@
               <a:rPr lang="en-US" dirty="0" smtClean="0"/>
               <a:t>Special Words </a:t>
             </a:r>
+            <a:endParaRPr lang="en-US" dirty="0" smtClean="0"/>
           </a:p>
           <a:p>
             <a:pPr lvl="1" algn="just"/>
@@ -3475,6 +3422,7 @@
               <a:rPr lang="en-US" dirty="0" smtClean="0"/>
               <a:t> – Do and End can be variable.  </a:t>
             </a:r>
+            <a:endParaRPr lang="en-US" dirty="0" smtClean="0"/>
           </a:p>
           <a:p>
             <a:pPr lvl="1" algn="just"/>
@@ -3482,6 +3430,7 @@
               <a:rPr lang="en-US" dirty="0" smtClean="0"/>
               <a:t>Compound statements with brace is confusing compare to end if and end loop</a:t>
             </a:r>
+            <a:endParaRPr lang="en-US" dirty="0" smtClean="0"/>
           </a:p>
           <a:p>
             <a:pPr lvl="1" algn="just"/>
@@ -3493,6 +3442,7 @@
               <a:rPr lang="en-US" dirty="0" smtClean="0"/>
               <a:t>Form and Meaning</a:t>
             </a:r>
+            <a:endParaRPr lang="en-US" dirty="0" smtClean="0"/>
           </a:p>
           <a:p>
             <a:pPr lvl="1" algn="just"/>
@@ -3500,6 +3450,7 @@
               <a:rPr lang="en-US" dirty="0" smtClean="0"/>
               <a:t>Semantics or meaning, should follow directly from syntax or form.</a:t>
             </a:r>
+            <a:endParaRPr lang="en-US" dirty="0" smtClean="0"/>
           </a:p>
           <a:p>
             <a:pPr lvl="1" algn="just"/>
@@ -3515,6 +3466,7 @@
               <a:rPr lang="en-US" dirty="0" smtClean="0"/>
               <a:t> in UNIX</a:t>
             </a:r>
+            <a:endParaRPr lang="en-US" dirty="0" smtClean="0"/>
           </a:p>
           <a:p>
             <a:pPr lvl="1"/>
@@ -3527,11 +3479,6 @@
         </p:txBody>
       </p:sp>
     </p:spTree>
-    <p:extLst>
-      <p:ext uri="{BB962C8B-B14F-4D97-AF65-F5344CB8AC3E}">
-        <p14:creationId xmlns:p14="http://schemas.microsoft.com/office/powerpoint/2010/main" val="1632152404"/>
-      </p:ext>
-    </p:extLst>
   </p:cSld>
   <p:clrMapOvr>
     <a:masterClrMapping/>
@@ -3599,6 +3546,7 @@
               <a:rPr lang="en-US" dirty="0" smtClean="0"/>
               <a:t>It is a measure of how easily a language can be used to create programs for a chosen problem domain.</a:t>
             </a:r>
+            <a:endParaRPr lang="en-US" dirty="0" smtClean="0"/>
           </a:p>
           <a:p>
             <a:endParaRPr lang="en-US" dirty="0"/>
@@ -3609,11 +3557,6 @@
         </p:txBody>
       </p:sp>
     </p:spTree>
-    <p:extLst>
-      <p:ext uri="{BB962C8B-B14F-4D97-AF65-F5344CB8AC3E}">
-        <p14:creationId xmlns:p14="http://schemas.microsoft.com/office/powerpoint/2010/main" val="2006243120"/>
-      </p:ext>
-    </p:extLst>
   </p:cSld>
   <p:clrMapOvr>
     <a:masterClrMapping/>
@@ -3685,6 +3628,7 @@
               <a:rPr lang="en-US" dirty="0" smtClean="0"/>
               <a:t>Large number of constructs might not be familiar with all of them. </a:t>
             </a:r>
+            <a:endParaRPr lang="en-US" dirty="0" smtClean="0"/>
           </a:p>
           <a:p>
             <a:pPr algn="just"/>
@@ -3712,6 +3656,7 @@
               <a:rPr lang="en-US" dirty="0" smtClean="0"/>
               <a:t>.</a:t>
             </a:r>
+            <a:endParaRPr lang="en-US" dirty="0" smtClean="0"/>
           </a:p>
           <a:p>
             <a:pPr algn="just"/>
@@ -3723,6 +3668,7 @@
               <a:rPr lang="en-US" dirty="0" smtClean="0"/>
               <a:t>Errors in program can go undetected when nearly any combination of primitives is legal.</a:t>
             </a:r>
+            <a:endParaRPr lang="en-US" dirty="0" smtClean="0"/>
           </a:p>
           <a:p>
             <a:endParaRPr lang="en-US" dirty="0"/>
@@ -3730,11 +3676,6 @@
         </p:txBody>
       </p:sp>
     </p:spTree>
-    <p:extLst>
-      <p:ext uri="{BB962C8B-B14F-4D97-AF65-F5344CB8AC3E}">
-        <p14:creationId xmlns:p14="http://schemas.microsoft.com/office/powerpoint/2010/main" val="3263376265"/>
-      </p:ext>
-    </p:extLst>
   </p:cSld>
   <p:clrMapOvr>
     <a:masterClrMapping/>
@@ -3804,6 +3745,7 @@
               <a:rPr lang="en-US" dirty="0" smtClean="0"/>
               <a:t>Process Abstraction</a:t>
             </a:r>
+            <a:endParaRPr lang="en-US" dirty="0" smtClean="0"/>
           </a:p>
           <a:p>
             <a:pPr lvl="1" algn="just"/>
@@ -3811,6 +3753,7 @@
               <a:rPr lang="en-US" dirty="0" smtClean="0"/>
               <a:t>Use of a subprogram. For example, inserting the sort algorithm in all places as per need.</a:t>
             </a:r>
+            <a:endParaRPr lang="en-US" dirty="0" smtClean="0"/>
           </a:p>
           <a:p>
             <a:pPr lvl="1" algn="just"/>
@@ -3822,6 +3765,7 @@
               <a:rPr lang="en-US" dirty="0" smtClean="0"/>
               <a:t>Otherwise program will be longer or cluttered if we repeat writing it.</a:t>
             </a:r>
+            <a:endParaRPr lang="en-US" dirty="0" smtClean="0"/>
           </a:p>
           <a:p>
             <a:pPr algn="just"/>
@@ -3833,6 +3777,7 @@
               <a:rPr lang="en-US" dirty="0" smtClean="0"/>
               <a:t>Data Abstraction</a:t>
             </a:r>
+            <a:endParaRPr lang="en-US" dirty="0" smtClean="0"/>
           </a:p>
           <a:p>
             <a:pPr lvl="1" algn="just"/>
@@ -3840,6 +3785,7 @@
               <a:rPr lang="en-US" dirty="0" smtClean="0"/>
               <a:t>For example writing a binary tree that stores integer data in its node.</a:t>
             </a:r>
+            <a:endParaRPr lang="en-US" dirty="0" smtClean="0"/>
           </a:p>
           <a:p>
             <a:pPr lvl="1" algn="just"/>
@@ -3856,11 +3802,6 @@
         </p:txBody>
       </p:sp>
     </p:spTree>
-    <p:extLst>
-      <p:ext uri="{BB962C8B-B14F-4D97-AF65-F5344CB8AC3E}">
-        <p14:creationId xmlns:p14="http://schemas.microsoft.com/office/powerpoint/2010/main" val="145605432"/>
-      </p:ext>
-    </p:extLst>
   </p:cSld>
   <p:clrMapOvr>
     <a:masterClrMapping/>
@@ -3927,6 +3868,7 @@
               <a:rPr lang="en-US" dirty="0" smtClean="0"/>
               <a:t>Powerful operations can be accomplished with a complex statements</a:t>
             </a:r>
+            <a:endParaRPr lang="en-US" dirty="0" smtClean="0"/>
           </a:p>
           <a:p>
             <a:pPr lvl="1"/>
@@ -3938,6 +3880,7 @@
               <a:rPr lang="en-US" dirty="0" smtClean="0"/>
               <a:t>ount++</a:t>
             </a:r>
+            <a:endParaRPr lang="en-US" dirty="0" smtClean="0"/>
           </a:p>
           <a:p>
             <a:pPr lvl="1"/>
@@ -3950,11 +3893,6 @@
         </p:txBody>
       </p:sp>
     </p:spTree>
-    <p:extLst>
-      <p:ext uri="{BB962C8B-B14F-4D97-AF65-F5344CB8AC3E}">
-        <p14:creationId xmlns:p14="http://schemas.microsoft.com/office/powerpoint/2010/main" val="2581055444"/>
-      </p:ext>
-    </p:extLst>
   </p:cSld>
   <p:clrMapOvr>
     <a:masterClrMapping/>
@@ -4024,6 +3962,7 @@
               <a:rPr lang="en-US" dirty="0" smtClean="0"/>
               <a:t>Type Checking – Compile or Run time</a:t>
             </a:r>
+            <a:endParaRPr lang="en-US" dirty="0" smtClean="0"/>
           </a:p>
           <a:p>
             <a:pPr algn="just"/>
@@ -4035,6 +3974,7 @@
               <a:rPr lang="en-US" dirty="0" smtClean="0"/>
               <a:t>Exception Handling</a:t>
             </a:r>
+            <a:endParaRPr lang="en-US" dirty="0" smtClean="0"/>
           </a:p>
           <a:p>
             <a:pPr algn="just"/>
@@ -4046,6 +3986,7 @@
               <a:rPr lang="en-US" dirty="0" smtClean="0"/>
               <a:t>Aliasing – two or more distinct names that can be used to access the same memory cell.</a:t>
             </a:r>
+            <a:endParaRPr lang="en-US" dirty="0" smtClean="0"/>
           </a:p>
           <a:p>
             <a:pPr algn="just"/>
@@ -4074,11 +4015,6 @@
         </p:txBody>
       </p:sp>
     </p:spTree>
-    <p:extLst>
-      <p:ext uri="{BB962C8B-B14F-4D97-AF65-F5344CB8AC3E}">
-        <p14:creationId xmlns:p14="http://schemas.microsoft.com/office/powerpoint/2010/main" val="3495132918"/>
-      </p:ext>
-    </p:extLst>
   </p:cSld>
   <p:clrMapOvr>
     <a:masterClrMapping/>
@@ -4147,6 +4083,7 @@
               <a:rPr lang="en-US" dirty="0" smtClean="0"/>
               <a:t>Training Programmers.</a:t>
             </a:r>
+            <a:endParaRPr lang="en-US" dirty="0" smtClean="0"/>
           </a:p>
           <a:p>
             <a:endParaRPr lang="en-US" dirty="0" smtClean="0"/>
@@ -4156,6 +4093,7 @@
               <a:rPr lang="en-US" dirty="0" smtClean="0"/>
               <a:t>Cost of writing programs.</a:t>
             </a:r>
+            <a:endParaRPr lang="en-US" dirty="0" smtClean="0"/>
           </a:p>
           <a:p>
             <a:endParaRPr lang="en-US" dirty="0" smtClean="0"/>
@@ -4165,6 +4103,7 @@
               <a:rPr lang="en-US" dirty="0" smtClean="0"/>
               <a:t>Cost of Compiling programs – Optimization</a:t>
             </a:r>
+            <a:endParaRPr lang="en-US" dirty="0" smtClean="0"/>
           </a:p>
           <a:p>
             <a:endParaRPr lang="en-US" dirty="0" smtClean="0"/>
@@ -4174,6 +4113,7 @@
               <a:rPr lang="en-US" dirty="0" smtClean="0"/>
               <a:t>Expensive Hardware – can run on it.</a:t>
             </a:r>
+            <a:endParaRPr lang="en-US" dirty="0" smtClean="0"/>
           </a:p>
           <a:p>
             <a:endParaRPr lang="en-US" dirty="0" smtClean="0"/>
@@ -4183,6 +4123,7 @@
               <a:rPr lang="en-US" dirty="0" smtClean="0"/>
               <a:t>Poor reliability – cost of failure in critical system.</a:t>
             </a:r>
+            <a:endParaRPr lang="en-US" dirty="0" smtClean="0"/>
           </a:p>
           <a:p>
             <a:endParaRPr lang="en-US" dirty="0" smtClean="0"/>
@@ -4192,6 +4133,7 @@
               <a:rPr lang="en-US" dirty="0" smtClean="0"/>
               <a:t>Maintenance.</a:t>
             </a:r>
+            <a:endParaRPr lang="en-US" dirty="0" smtClean="0"/>
           </a:p>
           <a:p>
             <a:endParaRPr lang="en-US" dirty="0"/>
@@ -4201,6 +4143,7 @@
               <a:rPr lang="en-US" dirty="0" smtClean="0"/>
               <a:t>In general – development, maintenance and reliability. Also portability</a:t>
             </a:r>
+            <a:endParaRPr lang="en-US" dirty="0" smtClean="0"/>
           </a:p>
           <a:p>
             <a:endParaRPr lang="en-US" dirty="0" smtClean="0"/>
@@ -4208,11 +4151,6 @@
         </p:txBody>
       </p:sp>
     </p:spTree>
-    <p:extLst>
-      <p:ext uri="{BB962C8B-B14F-4D97-AF65-F5344CB8AC3E}">
-        <p14:creationId xmlns:p14="http://schemas.microsoft.com/office/powerpoint/2010/main" val="886021857"/>
-      </p:ext>
-    </p:extLst>
   </p:cSld>
   <p:clrMapOvr>
     <a:masterClrMapping/>
@@ -4269,7 +4207,7 @@
           <p:nvPr/>
         </p:nvPicPr>
         <p:blipFill>
-          <a:blip r:embed="rId2">
+          <a:blip r:embed="rId1">
             <a:extLst>
               <a:ext uri="{28A0092B-C50C-407E-A947-70E740481C1C}">
                 <a14:useLocalDpi xmlns:a14="http://schemas.microsoft.com/office/drawing/2010/main" val="0"/>
@@ -4302,11 +4240,6 @@
         </p:spPr>
       </p:pic>
     </p:spTree>
-    <p:extLst>
-      <p:ext uri="{BB962C8B-B14F-4D97-AF65-F5344CB8AC3E}">
-        <p14:creationId xmlns:p14="http://schemas.microsoft.com/office/powerpoint/2010/main" val="1871778671"/>
-      </p:ext>
-    </p:extLst>
   </p:cSld>
   <p:clrMapOvr>
     <a:masterClrMapping/>
@@ -4363,7 +4296,7 @@
           <p:nvPr/>
         </p:nvPicPr>
         <p:blipFill>
-          <a:blip r:embed="rId2">
+          <a:blip r:embed="rId1">
             <a:extLst>
               <a:ext uri="{28A0092B-C50C-407E-A947-70E740481C1C}">
                 <a14:useLocalDpi xmlns:a14="http://schemas.microsoft.com/office/drawing/2010/main" val="0"/>
@@ -4396,11 +4329,6 @@
         </p:spPr>
       </p:pic>
     </p:spTree>
-    <p:extLst>
-      <p:ext uri="{BB962C8B-B14F-4D97-AF65-F5344CB8AC3E}">
-        <p14:creationId xmlns:p14="http://schemas.microsoft.com/office/powerpoint/2010/main" val="842866230"/>
-      </p:ext>
-    </p:extLst>
   </p:cSld>
   <p:clrMapOvr>
     <a:masterClrMapping/>
@@ -4457,7 +4385,7 @@
           <p:nvPr/>
         </p:nvPicPr>
         <p:blipFill>
-          <a:blip r:embed="rId2">
+          <a:blip r:embed="rId1">
             <a:extLst>
               <a:ext uri="{28A0092B-C50C-407E-A947-70E740481C1C}">
                 <a14:useLocalDpi xmlns:a14="http://schemas.microsoft.com/office/drawing/2010/main" val="0"/>
@@ -4490,11 +4418,6 @@
         </p:spPr>
       </p:pic>
     </p:spTree>
-    <p:extLst>
-      <p:ext uri="{BB962C8B-B14F-4D97-AF65-F5344CB8AC3E}">
-        <p14:creationId xmlns:p14="http://schemas.microsoft.com/office/powerpoint/2010/main" val="2736940075"/>
-      </p:ext>
-    </p:extLst>
   </p:cSld>
   <p:clrMapOvr>
     <a:masterClrMapping/>
@@ -4564,6 +4487,7 @@
               <a:rPr lang="en-US" dirty="0" smtClean="0"/>
               <a:t>Increased Capacity to express Ideas.</a:t>
             </a:r>
+            <a:endParaRPr lang="en-US" dirty="0" smtClean="0"/>
           </a:p>
           <a:p>
             <a:pPr algn="just"/>
@@ -4575,6 +4499,7 @@
               <a:rPr lang="en-US" dirty="0" smtClean="0"/>
               <a:t>Improved Background for choosing appropriate languages.</a:t>
             </a:r>
+            <a:endParaRPr lang="en-US" dirty="0" smtClean="0"/>
           </a:p>
           <a:p>
             <a:pPr algn="just"/>
@@ -4586,6 +4511,7 @@
               <a:rPr lang="en-US" dirty="0" smtClean="0"/>
               <a:t>Increased ability to learn new languages.</a:t>
             </a:r>
+            <a:endParaRPr lang="en-US" dirty="0" smtClean="0"/>
           </a:p>
           <a:p>
             <a:pPr algn="just"/>
@@ -4597,6 +4523,7 @@
               <a:rPr lang="en-US" dirty="0" smtClean="0"/>
               <a:t>Better understanding of the significance of implementation.</a:t>
             </a:r>
+            <a:endParaRPr lang="en-US" dirty="0" smtClean="0"/>
           </a:p>
           <a:p>
             <a:pPr algn="just"/>
@@ -4608,6 +4535,7 @@
               <a:rPr lang="en-US" dirty="0" smtClean="0"/>
               <a:t>Better use of languages that are already known.</a:t>
             </a:r>
+            <a:endParaRPr lang="en-US" dirty="0" smtClean="0"/>
           </a:p>
           <a:p>
             <a:pPr algn="just"/>
@@ -4619,6 +4547,7 @@
               <a:rPr lang="en-US" dirty="0" smtClean="0"/>
               <a:t>Overall advancement of computing.</a:t>
             </a:r>
+            <a:endParaRPr lang="en-US" dirty="0" smtClean="0"/>
           </a:p>
           <a:p>
             <a:endParaRPr lang="en-US" dirty="0"/>
@@ -4626,11 +4555,6 @@
         </p:txBody>
       </p:sp>
     </p:spTree>
-    <p:extLst>
-      <p:ext uri="{BB962C8B-B14F-4D97-AF65-F5344CB8AC3E}">
-        <p14:creationId xmlns:p14="http://schemas.microsoft.com/office/powerpoint/2010/main" val="2131558918"/>
-      </p:ext>
-    </p:extLst>
   </p:cSld>
   <p:clrMapOvr>
     <a:masterClrMapping/>
@@ -4705,11 +4629,6 @@
         </p:txBody>
       </p:sp>
     </p:spTree>
-    <p:extLst>
-      <p:ext uri="{BB962C8B-B14F-4D97-AF65-F5344CB8AC3E}">
-        <p14:creationId xmlns:p14="http://schemas.microsoft.com/office/powerpoint/2010/main" val="1186809803"/>
-      </p:ext>
-    </p:extLst>
   </p:cSld>
   <p:clrMapOvr>
     <a:masterClrMapping/>
@@ -4778,6 +4697,7 @@
               <a:rPr lang="en-US" dirty="0" smtClean="0"/>
               <a:t>Scientific Applications</a:t>
             </a:r>
+            <a:endParaRPr lang="en-US" dirty="0" smtClean="0"/>
           </a:p>
           <a:p>
             <a:endParaRPr lang="en-US" dirty="0" smtClean="0"/>
@@ -4787,6 +4707,7 @@
               <a:rPr lang="en-US" dirty="0" smtClean="0"/>
               <a:t>Business Applications</a:t>
             </a:r>
+            <a:endParaRPr lang="en-US" dirty="0" smtClean="0"/>
           </a:p>
           <a:p>
             <a:endParaRPr lang="en-US" dirty="0" smtClean="0"/>
@@ -4796,6 +4717,7 @@
               <a:rPr lang="en-US" dirty="0" smtClean="0"/>
               <a:t>Artificial Intelligence</a:t>
             </a:r>
+            <a:endParaRPr lang="en-US" dirty="0" smtClean="0"/>
           </a:p>
           <a:p>
             <a:endParaRPr lang="en-US" dirty="0" smtClean="0"/>
@@ -4805,6 +4727,7 @@
               <a:rPr lang="en-US" dirty="0" smtClean="0"/>
               <a:t>System Programming</a:t>
             </a:r>
+            <a:endParaRPr lang="en-US" dirty="0" smtClean="0"/>
           </a:p>
           <a:p>
             <a:endParaRPr lang="en-US" dirty="0" smtClean="0"/>
@@ -4814,6 +4737,7 @@
               <a:rPr lang="en-US" dirty="0" smtClean="0"/>
               <a:t>Web Software</a:t>
             </a:r>
+            <a:endParaRPr lang="en-US" dirty="0" smtClean="0"/>
           </a:p>
           <a:p>
             <a:endParaRPr lang="en-US" dirty="0"/>
@@ -4821,11 +4745,6 @@
         </p:txBody>
       </p:sp>
     </p:spTree>
-    <p:extLst>
-      <p:ext uri="{BB962C8B-B14F-4D97-AF65-F5344CB8AC3E}">
-        <p14:creationId xmlns:p14="http://schemas.microsoft.com/office/powerpoint/2010/main" val="4159323481"/>
-      </p:ext>
-    </p:extLst>
   </p:cSld>
   <p:clrMapOvr>
     <a:masterClrMapping/>
@@ -4901,6 +4820,7 @@
               <a:rPr lang="en-US" dirty="0" smtClean="0"/>
               <a:t>Criteria</a:t>
             </a:r>
+            <a:endParaRPr lang="en-US" dirty="0" smtClean="0"/>
           </a:p>
           <a:p>
             <a:pPr lvl="1"/>
@@ -4908,6 +4828,7 @@
               <a:rPr lang="en-US" dirty="0" smtClean="0"/>
               <a:t>Readability</a:t>
             </a:r>
+            <a:endParaRPr lang="en-US" dirty="0" smtClean="0"/>
           </a:p>
           <a:p>
             <a:pPr lvl="1"/>
@@ -4923,6 +4844,7 @@
               <a:rPr lang="en-US" dirty="0" smtClean="0"/>
               <a:t>Reliability</a:t>
             </a:r>
+            <a:endParaRPr lang="en-US" dirty="0" smtClean="0"/>
           </a:p>
           <a:p>
             <a:pPr lvl="1"/>
@@ -4933,6 +4855,7 @@
               <a:rPr lang="en-US" dirty="0" smtClean="0"/>
               <a:t>Characteristic</a:t>
             </a:r>
+            <a:endParaRPr lang="en-US" dirty="0" smtClean="0"/>
           </a:p>
           <a:p>
             <a:pPr lvl="1"/>
@@ -4940,6 +4863,7 @@
               <a:rPr lang="en-US" dirty="0" smtClean="0"/>
               <a:t>Simplicity </a:t>
             </a:r>
+            <a:endParaRPr lang="en-US" dirty="0" smtClean="0"/>
           </a:p>
           <a:p>
             <a:pPr lvl="1"/>
@@ -4955,6 +4879,7 @@
               <a:rPr lang="en-US" dirty="0" smtClean="0"/>
               <a:t>Data types</a:t>
             </a:r>
+            <a:endParaRPr lang="en-US" dirty="0" smtClean="0"/>
           </a:p>
           <a:p>
             <a:pPr lvl="1"/>
@@ -4962,6 +4887,7 @@
               <a:rPr lang="en-US" dirty="0" smtClean="0"/>
               <a:t>Syntax Design</a:t>
             </a:r>
+            <a:endParaRPr lang="en-US" dirty="0" smtClean="0"/>
           </a:p>
           <a:p>
             <a:pPr lvl="1"/>
@@ -4969,6 +4895,7 @@
               <a:rPr lang="en-US" dirty="0" smtClean="0"/>
               <a:t>Support for abstraction</a:t>
             </a:r>
+            <a:endParaRPr lang="en-US" dirty="0" smtClean="0"/>
           </a:p>
           <a:p>
             <a:pPr lvl="1"/>
@@ -4976,6 +4903,7 @@
               <a:rPr lang="en-US" dirty="0" smtClean="0"/>
               <a:t>Expressivity</a:t>
             </a:r>
+            <a:endParaRPr lang="en-US" dirty="0" smtClean="0"/>
           </a:p>
           <a:p>
             <a:pPr lvl="1"/>
@@ -4983,6 +4911,7 @@
               <a:rPr lang="en-US" dirty="0" smtClean="0"/>
               <a:t>Type Checking</a:t>
             </a:r>
+            <a:endParaRPr lang="en-US" dirty="0" smtClean="0"/>
           </a:p>
           <a:p>
             <a:pPr lvl="1"/>
@@ -4990,6 +4919,7 @@
               <a:rPr lang="en-US" dirty="0" smtClean="0"/>
               <a:t>Exception Handling</a:t>
             </a:r>
+            <a:endParaRPr lang="en-US" dirty="0" smtClean="0"/>
           </a:p>
           <a:p>
             <a:pPr lvl="1"/>
@@ -4997,6 +4927,7 @@
               <a:rPr lang="en-US" dirty="0" smtClean="0"/>
               <a:t>Restricted aliasing</a:t>
             </a:r>
+            <a:endParaRPr lang="en-US" dirty="0" smtClean="0"/>
           </a:p>
           <a:p>
             <a:pPr lvl="1"/>
@@ -5005,11 +4936,6 @@
         </p:txBody>
       </p:sp>
     </p:spTree>
-    <p:extLst>
-      <p:ext uri="{BB962C8B-B14F-4D97-AF65-F5344CB8AC3E}">
-        <p14:creationId xmlns:p14="http://schemas.microsoft.com/office/powerpoint/2010/main" val="1930646197"/>
-      </p:ext>
-    </p:extLst>
   </p:cSld>
   <p:clrMapOvr>
     <a:masterClrMapping/>
@@ -5079,7 +5005,7 @@
           <p:nvPr/>
         </p:nvPicPr>
         <p:blipFill>
-          <a:blip r:embed="rId2">
+          <a:blip r:embed="rId1">
             <a:extLst>
               <a:ext uri="{28A0092B-C50C-407E-A947-70E740481C1C}">
                 <a14:useLocalDpi xmlns:a14="http://schemas.microsoft.com/office/drawing/2010/main" val="0"/>
@@ -5135,11 +5061,6 @@
         </p:spPr>
       </p:pic>
     </p:spTree>
-    <p:extLst>
-      <p:ext uri="{BB962C8B-B14F-4D97-AF65-F5344CB8AC3E}">
-        <p14:creationId xmlns:p14="http://schemas.microsoft.com/office/powerpoint/2010/main" val="2468608989"/>
-      </p:ext>
-    </p:extLst>
   </p:cSld>
   <p:clrMapOvr>
     <a:masterClrMapping/>
@@ -5209,6 +5130,7 @@
               <a:rPr lang="en-US" dirty="0" smtClean="0"/>
               <a:t>Programs that can be read and understood.</a:t>
             </a:r>
+            <a:endParaRPr lang="en-US" dirty="0" smtClean="0"/>
           </a:p>
           <a:p>
             <a:pPr algn="just"/>
@@ -5220,6 +5142,7 @@
               <a:rPr lang="en-US" dirty="0" smtClean="0"/>
               <a:t>Earlier that is before 1970, efficiency was the only point of view.</a:t>
             </a:r>
+            <a:endParaRPr lang="en-US" dirty="0" smtClean="0"/>
           </a:p>
           <a:p>
             <a:pPr algn="just"/>
@@ -5239,6 +5162,7 @@
               <a:rPr lang="en-US" dirty="0" smtClean="0"/>
               <a:t>, 1987).</a:t>
             </a:r>
+            <a:endParaRPr lang="en-US" dirty="0" smtClean="0"/>
           </a:p>
           <a:p>
             <a:pPr algn="just"/>
@@ -5255,11 +5179,6 @@
         </p:txBody>
       </p:sp>
     </p:spTree>
-    <p:extLst>
-      <p:ext uri="{BB962C8B-B14F-4D97-AF65-F5344CB8AC3E}">
-        <p14:creationId xmlns:p14="http://schemas.microsoft.com/office/powerpoint/2010/main" val="2018727388"/>
-      </p:ext>
-    </p:extLst>
   </p:cSld>
   <p:clrMapOvr>
     <a:masterClrMapping/>
@@ -5335,6 +5254,7 @@
               <a:rPr lang="en-US" dirty="0" smtClean="0"/>
               <a:t>Simplicity affects the readability</a:t>
             </a:r>
+            <a:endParaRPr lang="en-US" dirty="0" smtClean="0"/>
           </a:p>
           <a:p>
             <a:endParaRPr lang="en-US" dirty="0" smtClean="0"/>
@@ -5344,6 +5264,7 @@
               <a:rPr lang="en-US" dirty="0" smtClean="0"/>
               <a:t>Like feature multiplicity</a:t>
             </a:r>
+            <a:endParaRPr lang="en-US" dirty="0" smtClean="0"/>
           </a:p>
           <a:p>
             <a:pPr lvl="1"/>
@@ -5355,6 +5276,7 @@
               <a:rPr lang="en-US" dirty="0" smtClean="0"/>
               <a:t>ount = count + 1</a:t>
             </a:r>
+            <a:endParaRPr lang="en-US" dirty="0" smtClean="0"/>
           </a:p>
           <a:p>
             <a:pPr lvl="1"/>
@@ -5362,6 +5284,7 @@
               <a:rPr lang="en-US" dirty="0" smtClean="0"/>
               <a:t>count += 1</a:t>
             </a:r>
+            <a:endParaRPr lang="en-US" dirty="0" smtClean="0"/>
           </a:p>
           <a:p>
             <a:pPr lvl="1"/>
@@ -5369,6 +5292,7 @@
               <a:rPr lang="en-US" dirty="0" smtClean="0"/>
               <a:t>count++</a:t>
             </a:r>
+            <a:endParaRPr lang="en-US" dirty="0" smtClean="0"/>
           </a:p>
           <a:p>
             <a:pPr lvl="1"/>
@@ -5376,6 +5300,7 @@
               <a:rPr lang="en-US" dirty="0" smtClean="0"/>
               <a:t>++ count</a:t>
             </a:r>
+            <a:endParaRPr lang="en-US" dirty="0" smtClean="0"/>
           </a:p>
           <a:p>
             <a:pPr lvl="1"/>
@@ -5391,11 +5316,6 @@
         </p:txBody>
       </p:sp>
     </p:spTree>
-    <p:extLst>
-      <p:ext uri="{BB962C8B-B14F-4D97-AF65-F5344CB8AC3E}">
-        <p14:creationId xmlns:p14="http://schemas.microsoft.com/office/powerpoint/2010/main" val="1757856348"/>
-      </p:ext>
-    </p:extLst>
   </p:cSld>
   <p:clrMapOvr>
     <a:masterClrMapping/>
@@ -5469,6 +5389,7 @@
               <a:rPr lang="en-US" dirty="0" smtClean="0"/>
               <a:t>Independent of the context.</a:t>
             </a:r>
+            <a:endParaRPr lang="en-US" dirty="0" smtClean="0"/>
           </a:p>
           <a:p>
             <a:endParaRPr lang="en-US" dirty="0"/>
@@ -5479,11 +5400,6 @@
         </p:txBody>
       </p:sp>
     </p:spTree>
-    <p:extLst>
-      <p:ext uri="{BB962C8B-B14F-4D97-AF65-F5344CB8AC3E}">
-        <p14:creationId xmlns:p14="http://schemas.microsoft.com/office/powerpoint/2010/main" val="1837790026"/>
-      </p:ext>
-    </p:extLst>
   </p:cSld>
   <p:clrMapOvr>
     <a:masterClrMapping/>
@@ -5560,6 +5476,7 @@
               <a:rPr lang="en-US" dirty="0" smtClean="0"/>
               <a:t>Adequate facilities for defining data types and data structures in a language is required.</a:t>
             </a:r>
+            <a:endParaRPr lang="en-US" dirty="0" smtClean="0"/>
           </a:p>
           <a:p>
             <a:pPr algn="just"/>
@@ -5583,6 +5500,7 @@
               <a:rPr lang="en-US" dirty="0" smtClean="0"/>
               <a:t>timeout = 1</a:t>
             </a:r>
+            <a:endParaRPr lang="en-US" dirty="0" smtClean="0"/>
           </a:p>
           <a:p>
             <a:pPr lvl="1" algn="just"/>
@@ -5602,6 +5520,7 @@
               <a:rPr lang="en-US" dirty="0" smtClean="0"/>
               <a:t> type we can write</a:t>
             </a:r>
+            <a:endParaRPr lang="en-US" dirty="0" smtClean="0"/>
           </a:p>
           <a:p>
             <a:pPr lvl="1" algn="just"/>
@@ -5613,15 +5532,11 @@
               <a:rPr lang="en-US" dirty="0" smtClean="0"/>
               <a:t>imeout = true</a:t>
             </a:r>
+            <a:endParaRPr lang="en-US" dirty="0" smtClean="0"/>
           </a:p>
         </p:txBody>
       </p:sp>
     </p:spTree>
-    <p:extLst>
-      <p:ext uri="{BB962C8B-B14F-4D97-AF65-F5344CB8AC3E}">
-        <p14:creationId xmlns:p14="http://schemas.microsoft.com/office/powerpoint/2010/main" val="3096099792"/>
-      </p:ext>
-    </p:extLst>
   </p:cSld>
   <p:clrMapOvr>
     <a:masterClrMapping/>
@@ -5916,7 +5831,10 @@
       </a:bgFillStyleLst>
     </a:fmtScheme>
   </a:themeElements>
-  <a:objectDefaults/>
-  <a:extraClrSchemeLst/>
+  <a:extLst>
+    <a:ext uri="{05A4C25C-085E-4340-85A3-A5531E510DB2}">
+      <thm15:themeFamily xmlns:thm15="http://schemas.microsoft.com/office/thememl/2012/main" name="Office Theme" id="{62F939B6-93AF-4DB8-9C6B-D6C7DFDC589F}" vid="{4A3C46E8-61CC-4603-A589-7422A47A8E4A}"/>
+    </a:ext>
+  </a:extLst>
 </a:theme>
 </file>